--- a/Apresentação 1 directbras.pptx
+++ b/Apresentação 1 directbras.pptx
@@ -108,6 +108,11 @@
       </a:defRPr>
     </a:lvl9pPr>
   </p:defaultTextStyle>
+  <p:extLst>
+    <p:ext uri="{EFAFB233-063F-42B5-8137-9DF3F51BA10A}">
+      <p15:sldGuideLst xmlns:p15="http://schemas.microsoft.com/office/powerpoint/2012/main"/>
+    </p:ext>
+  </p:extLst>
 </p:presentation>
 </file>
 
@@ -3567,7 +3572,7 @@
         </p:spPr>
         <p:txBody>
           <a:bodyPr>
-            <a:normAutofit fontScale="55000" lnSpcReduction="20000"/>
+            <a:normAutofit fontScale="62500" lnSpcReduction="20000"/>
           </a:bodyPr>
           <a:lstStyle/>
           <a:p>
@@ -3655,14 +3660,20 @@
                 <a:latin typeface="Times New Roman" panose="02020603050405020304" pitchFamily="18" charset="0"/>
                 <a:ea typeface="Times New Roman" panose="02020603050405020304" pitchFamily="18" charset="0"/>
               </a:rPr>
-              <a:t>RF07 – O sistema deve criar um dashboard mostrando os dados para o fabricante com prazo de entrega, e dados gerais sobre os pedidos que foram feitos e o tempo de envio para o correio.</a:t>
-            </a:r>
-          </a:p>
-          <a:p>
-            <a:pPr algn="just">
-              <a:tabLst>
-                <a:tab pos="1854200" algn="l"/>
-              </a:tabLst>
+              <a:t>RF07 – O sistema deve criar um dashboard mostrando os dados para o fabricante com prazo de entrega, e dados gerais sobre os pedidos que foram feitos e o tempo de envio para o </a:t>
+            </a:r>
+            <a:r>
+              <a:rPr lang="pt-BR" sz="2500">
+                <a:effectLst/>
+                <a:latin typeface="Times New Roman" panose="02020603050405020304" pitchFamily="18" charset="0"/>
+                <a:ea typeface="Times New Roman" panose="02020603050405020304" pitchFamily="18" charset="0"/>
+              </a:rPr>
+              <a:t>correio.</a:t>
+            </a:r>
+          </a:p>
+          <a:p>
+            <a:pPr marL="0" indent="0" algn="just">
+              <a:buNone/>
             </a:pPr>
             <a:r>
               <a:rPr lang="pt-BR" sz="2500" dirty="0">
@@ -3725,17 +3736,6 @@
                 <a:latin typeface="Times New Roman" panose="02020603050405020304" pitchFamily="18" charset="0"/>
                 <a:ea typeface="Times New Roman" panose="02020603050405020304" pitchFamily="18" charset="0"/>
               </a:rPr>
-              <a:t> </a:t>
-            </a:r>
-          </a:p>
-          <a:p>
-            <a:pPr algn="just"/>
-            <a:r>
-              <a:rPr lang="pt-BR" sz="2500" dirty="0">
-                <a:effectLst/>
-                <a:latin typeface="Times New Roman" panose="02020603050405020304" pitchFamily="18" charset="0"/>
-                <a:ea typeface="Times New Roman" panose="02020603050405020304" pitchFamily="18" charset="0"/>
-              </a:rPr>
               <a:t>RFN04 – O tempo de acesso e cadastro não deve ultrapassar de 1 segundo.</a:t>
             </a:r>
           </a:p>
@@ -3763,18 +3763,7 @@
                 <a:latin typeface="Times New Roman" panose="02020603050405020304" pitchFamily="18" charset="0"/>
                 <a:ea typeface="Times New Roman" panose="02020603050405020304" pitchFamily="18" charset="0"/>
               </a:rPr>
-              <a:t> privado pela equipe de tecnologia da informação.</a:t>
-            </a:r>
-          </a:p>
-          <a:p>
-            <a:pPr algn="just"/>
-            <a:r>
-              <a:rPr lang="pt-BR" sz="2500" dirty="0">
-                <a:effectLst/>
-                <a:latin typeface="Times New Roman" panose="02020603050405020304" pitchFamily="18" charset="0"/>
-                <a:ea typeface="Times New Roman" panose="02020603050405020304" pitchFamily="18" charset="0"/>
-              </a:rPr>
-              <a:t> </a:t>
+              <a:t> privado pela equipe de tecnologia da informação. </a:t>
             </a:r>
           </a:p>
           <a:p>

--- a/Apresentação 1 directbras.pptx
+++ b/Apresentação 1 directbras.pptx
@@ -3566,8 +3566,8 @@
         </p:nvSpPr>
         <p:spPr>
           <a:xfrm>
-            <a:off x="618067" y="1027906"/>
-            <a:ext cx="10515600" cy="5726641"/>
+            <a:off x="618067" y="1027907"/>
+            <a:ext cx="10515600" cy="5830094"/>
           </a:xfrm>
         </p:spPr>
         <p:txBody>
@@ -3660,15 +3660,7 @@
                 <a:latin typeface="Times New Roman" panose="02020603050405020304" pitchFamily="18" charset="0"/>
                 <a:ea typeface="Times New Roman" panose="02020603050405020304" pitchFamily="18" charset="0"/>
               </a:rPr>
-              <a:t>RF07 – O sistema deve criar um dashboard mostrando os dados para o fabricante com prazo de entrega, e dados gerais sobre os pedidos que foram feitos e o tempo de envio para o </a:t>
-            </a:r>
-            <a:r>
-              <a:rPr lang="pt-BR" sz="2500">
-                <a:effectLst/>
-                <a:latin typeface="Times New Roman" panose="02020603050405020304" pitchFamily="18" charset="0"/>
-                <a:ea typeface="Times New Roman" panose="02020603050405020304" pitchFamily="18" charset="0"/>
-              </a:rPr>
-              <a:t>correio.</a:t>
+              <a:t>RF07 – O sistema deve criar um dashboard mostrando os dados para o fabricante com prazo de entrega, e dados gerais sobre os pedidos que foram feitos e o tempo de envio para o correio.</a:t>
             </a:r>
           </a:p>
           <a:p>
@@ -3696,7 +3688,11 @@
             </a:r>
           </a:p>
           <a:p>
-            <a:pPr algn="just"/>
+            <a:pPr algn="just">
+              <a:lnSpc>
+                <a:spcPct val="120000"/>
+              </a:lnSpc>
+            </a:pPr>
             <a:r>
               <a:rPr lang="pt-BR" sz="2500" dirty="0">
                 <a:effectLst/>
